--- a/Clarks presentation.pptx
+++ b/Clarks presentation.pptx
@@ -3557,17 +3557,6 @@
               </a:rPr>
               <a:t>Clarks interview data task</a:t>
             </a:r>
-            <a:r>
-              <a:rPr lang="en-GB" b="1" dirty="0" smtClean="0">
-                <a:solidFill>
-                  <a:schemeClr val="tx1">
-                    <a:lumMod val="75000"/>
-                    <a:lumOff val="25000"/>
-                  </a:schemeClr>
-                </a:solidFill>
-              </a:rPr>
-              <a:t/>
-            </a:r>
             <a:br>
               <a:rPr lang="en-GB" b="1" dirty="0" smtClean="0">
                 <a:solidFill>
@@ -4167,7 +4156,19 @@
             </a:r>
             <a:r>
               <a:rPr lang="en-GB" dirty="0"/>
-              <a:t>data – how long is this period and when do people shop (e.g. August for school, December for Christmas – different profiles of shopper using ML clustering</a:t>
+              <a:t>data – how long is this period and when do </a:t>
+            </a:r>
+            <a:r>
+              <a:rPr lang="en-GB" dirty="0" smtClean="0"/>
+              <a:t>different customer profiles make purchases </a:t>
+            </a:r>
+            <a:r>
+              <a:rPr lang="en-GB" dirty="0"/>
+              <a:t>(e.g. August for school, December for </a:t>
+            </a:r>
+            <a:r>
+              <a:rPr lang="en-GB" dirty="0" smtClean="0"/>
+              <a:t>Christmas)</a:t>
             </a:r>
           </a:p>
           <a:p>
@@ -4429,11 +4430,6 @@
               </a:rPr>
               <a:t>As above.</a:t>
             </a:r>
-            <a:endParaRPr lang="en-GB" dirty="0" smtClean="0">
-              <a:solidFill>
-                <a:srgbClr val="C00000"/>
-              </a:solidFill>
-            </a:endParaRPr>
           </a:p>
         </p:txBody>
       </p:sp>
@@ -4541,7 +4537,7 @@
         <p:spPr/>
         <p:txBody>
           <a:bodyPr>
-            <a:normAutofit fontScale="92500" lnSpcReduction="10000"/>
+            <a:normAutofit fontScale="70000" lnSpcReduction="20000"/>
           </a:bodyPr>
           <a:lstStyle/>
           <a:p>
@@ -4550,8 +4546,43 @@
             </a:pPr>
             <a:r>
               <a:rPr lang="en-GB" dirty="0" smtClean="0"/>
-              <a:t>Model the expected increase in revenue resulting from these recommendations.</a:t>
-            </a:r>
+              <a:t>Model the expected increase in revenue resulting from these </a:t>
+            </a:r>
+            <a:r>
+              <a:rPr lang="en-GB" dirty="0" smtClean="0"/>
+              <a:t>recommendations – prioritise the recommendations.</a:t>
+            </a:r>
+          </a:p>
+          <a:p>
+            <a:pPr marL="0" indent="0">
+              <a:buNone/>
+            </a:pPr>
+            <a:r>
+              <a:rPr lang="en-GB" dirty="0"/>
+              <a:t>	</a:t>
+            </a:r>
+            <a:r>
+              <a:rPr lang="en-GB" dirty="0" smtClean="0"/>
+              <a:t>Simple example: if half of store only customers became store and online customers 	and followed the same spending patterns this would lead to increase in revenue of 	</a:t>
+            </a:r>
+            <a:r>
+              <a:rPr lang="en-GB" dirty="0" smtClean="0">
+                <a:solidFill>
+                  <a:srgbClr val="FF0000"/>
+                </a:solidFill>
+              </a:rPr>
+              <a:t>3225253 - a 14% increase in total revenue.</a:t>
+            </a:r>
+          </a:p>
+          <a:p>
+            <a:pPr marL="0" indent="0">
+              <a:buNone/>
+            </a:pPr>
+            <a:r>
+              <a:rPr lang="en-GB" dirty="0" smtClean="0"/>
+              <a:t>	More sophisticated estimates with confidence intervals could be produced using MCMC 	simulation, for example.</a:t>
+            </a:r>
+            <a:endParaRPr lang="en-GB" dirty="0" smtClean="0"/>
           </a:p>
           <a:p>
             <a:pPr marL="0" indent="0">
@@ -4605,7 +4636,7 @@
               <a:buNone/>
             </a:pPr>
             <a:r>
-              <a:rPr lang="en-GB" dirty="0"/>
+              <a:rPr lang="en-GB" i="1" dirty="0"/>
               <a:t>https://www.ons.gov.uk/businessindustryandtrade/retailindustry/articles/comparingbricksandmortarstoresalestoonlineretailsales/august2018</a:t>
             </a:r>
           </a:p>
@@ -5143,11 +5174,6 @@
               </a:rPr>
               <a:t>As above.</a:t>
             </a:r>
-            <a:endParaRPr lang="en-GB" dirty="0" smtClean="0">
-              <a:solidFill>
-                <a:srgbClr val="C00000"/>
-              </a:solidFill>
-            </a:endParaRPr>
           </a:p>
         </p:txBody>
       </p:sp>
@@ -5269,14 +5295,12 @@
               <a:rPr lang="en-GB" dirty="0" smtClean="0"/>
               <a:t>Dataset</a:t>
             </a:r>
-            <a:endParaRPr lang="en-GB" dirty="0" smtClean="0"/>
           </a:p>
           <a:p>
             <a:r>
               <a:rPr lang="en-GB" dirty="0" smtClean="0"/>
               <a:t>Visualisation</a:t>
             </a:r>
-            <a:endParaRPr lang="en-GB" dirty="0" smtClean="0"/>
           </a:p>
           <a:p>
             <a:r>
@@ -5289,7 +5313,6 @@
               <a:rPr lang="en-GB" dirty="0" smtClean="0"/>
               <a:t>Limitations</a:t>
             </a:r>
-            <a:endParaRPr lang="en-GB" dirty="0" smtClean="0"/>
           </a:p>
           <a:p>
             <a:r>

--- a/Clarks presentation.pptx
+++ b/Clarks presentation.pptx
@@ -23,7 +23,7 @@
     <p:sldId id="266" r:id="rId14"/>
     <p:sldId id="280" r:id="rId15"/>
     <p:sldId id="281" r:id="rId16"/>
-    <p:sldId id="282" r:id="rId17"/>
+    <p:sldId id="283" r:id="rId17"/>
   </p:sldIdLst>
   <p:sldSz cx="12192000" cy="6858000"/>
   <p:notesSz cx="6858000" cy="9144000"/>
@@ -212,7 +212,7 @@
           <a:p>
             <a:fld id="{37F488FD-22E0-4017-B006-AC29A6AAC5AE}" type="datetimeFigureOut">
               <a:rPr lang="en-GB" smtClean="0"/>
-              <a:t>06/11/2019</a:t>
+              <a:t>07/11/2019</a:t>
             </a:fld>
             <a:endParaRPr lang="en-GB"/>
           </a:p>
@@ -801,7 +801,7 @@
           <a:p>
             <a:fld id="{A82AEEDF-FD55-4308-AD59-B2C12D8BAC96}" type="datetime1">
               <a:rPr lang="en-GB" smtClean="0"/>
-              <a:t>06/11/2019</a:t>
+              <a:t>07/11/2019</a:t>
             </a:fld>
             <a:endParaRPr lang="en-GB"/>
           </a:p>
@@ -971,7 +971,7 @@
           <a:p>
             <a:fld id="{C40C4783-4E25-4BE1-9132-37DDE9917600}" type="datetime1">
               <a:rPr lang="en-GB" smtClean="0"/>
-              <a:t>06/11/2019</a:t>
+              <a:t>07/11/2019</a:t>
             </a:fld>
             <a:endParaRPr lang="en-GB"/>
           </a:p>
@@ -1151,7 +1151,7 @@
           <a:p>
             <a:fld id="{91AA1442-DACC-44EF-A86D-A8ADAE2D0316}" type="datetime1">
               <a:rPr lang="en-GB" smtClean="0"/>
-              <a:t>06/11/2019</a:t>
+              <a:t>07/11/2019</a:t>
             </a:fld>
             <a:endParaRPr lang="en-GB"/>
           </a:p>
@@ -1321,7 +1321,7 @@
           <a:p>
             <a:fld id="{27B5C92B-818B-44C2-945B-69D8A5F59A21}" type="datetime1">
               <a:rPr lang="en-GB" smtClean="0"/>
-              <a:t>06/11/2019</a:t>
+              <a:t>07/11/2019</a:t>
             </a:fld>
             <a:endParaRPr lang="en-GB"/>
           </a:p>
@@ -1567,7 +1567,7 @@
           <a:p>
             <a:fld id="{B41BA0A0-2350-4C1C-AF96-65E4BC810696}" type="datetime1">
               <a:rPr lang="en-GB" smtClean="0"/>
-              <a:t>06/11/2019</a:t>
+              <a:t>07/11/2019</a:t>
             </a:fld>
             <a:endParaRPr lang="en-GB"/>
           </a:p>
@@ -1799,7 +1799,7 @@
           <a:p>
             <a:fld id="{F657263F-782A-4BA1-8838-DDE60092FFDA}" type="datetime1">
               <a:rPr lang="en-GB" smtClean="0"/>
-              <a:t>06/11/2019</a:t>
+              <a:t>07/11/2019</a:t>
             </a:fld>
             <a:endParaRPr lang="en-GB"/>
           </a:p>
@@ -2166,7 +2166,7 @@
           <a:p>
             <a:fld id="{33422DC8-13A7-4283-BD0B-9B25D4936620}" type="datetime1">
               <a:rPr lang="en-GB" smtClean="0"/>
-              <a:t>06/11/2019</a:t>
+              <a:t>07/11/2019</a:t>
             </a:fld>
             <a:endParaRPr lang="en-GB"/>
           </a:p>
@@ -2284,7 +2284,7 @@
           <a:p>
             <a:fld id="{E70FB6B3-596F-43FD-BB13-B0B65A423AB5}" type="datetime1">
               <a:rPr lang="en-GB" smtClean="0"/>
-              <a:t>06/11/2019</a:t>
+              <a:t>07/11/2019</a:t>
             </a:fld>
             <a:endParaRPr lang="en-GB"/>
           </a:p>
@@ -2379,7 +2379,7 @@
           <a:p>
             <a:fld id="{6095460D-50E4-41CC-93AB-9A4A5C477159}" type="datetime1">
               <a:rPr lang="en-GB" smtClean="0"/>
-              <a:t>06/11/2019</a:t>
+              <a:t>07/11/2019</a:t>
             </a:fld>
             <a:endParaRPr lang="en-GB"/>
           </a:p>
@@ -2656,7 +2656,7 @@
           <a:p>
             <a:fld id="{03A3BB56-320B-4843-B4A2-EF3C96EFC1B8}" type="datetime1">
               <a:rPr lang="en-GB" smtClean="0"/>
-              <a:t>06/11/2019</a:t>
+              <a:t>07/11/2019</a:t>
             </a:fld>
             <a:endParaRPr lang="en-GB"/>
           </a:p>
@@ -2909,7 +2909,7 @@
           <a:p>
             <a:fld id="{52356A3E-99BC-4C9F-940C-1E8C9469954D}" type="datetime1">
               <a:rPr lang="en-GB" smtClean="0"/>
-              <a:t>06/11/2019</a:t>
+              <a:t>07/11/2019</a:t>
             </a:fld>
             <a:endParaRPr lang="en-GB"/>
           </a:p>
@@ -3122,7 +3122,7 @@
           <a:p>
             <a:fld id="{8CDFCD33-E818-409D-9FEA-527175BF1788}" type="datetime1">
               <a:rPr lang="en-GB" smtClean="0"/>
-              <a:t>06/11/2019</a:t>
+              <a:t>07/11/2019</a:t>
             </a:fld>
             <a:endParaRPr lang="en-GB"/>
           </a:p>
@@ -3820,13 +3820,27 @@
           <a:p>
             <a:r>
               <a:rPr lang="en-GB" dirty="0" smtClean="0"/>
-              <a:t>As expected people who shop</a:t>
-            </a:r>
-          </a:p>
-          <a:p>
-            <a:r>
-              <a:rPr lang="en-GB" dirty="0" smtClean="0"/>
-              <a:t>Live further from store tend to shop online only.</a:t>
+              <a:t>As expected people who </a:t>
+            </a:r>
+            <a:r>
+              <a:rPr lang="en-GB" dirty="0"/>
+              <a:t>l</a:t>
+            </a:r>
+            <a:r>
+              <a:rPr lang="en-GB" dirty="0" smtClean="0"/>
+              <a:t>ive </a:t>
+            </a:r>
+            <a:r>
+              <a:rPr lang="en-GB" dirty="0" smtClean="0"/>
+              <a:t>further from store tend to shop </a:t>
+            </a:r>
+            <a:r>
+              <a:rPr lang="en-GB" dirty="0" smtClean="0"/>
+              <a:t>online-only</a:t>
+            </a:r>
+            <a:r>
+              <a:rPr lang="en-GB" dirty="0" smtClean="0"/>
+              <a:t>.</a:t>
             </a:r>
           </a:p>
           <a:p>
@@ -3835,15 +3849,39 @@
           <a:p>
             <a:r>
               <a:rPr lang="en-GB" dirty="0" smtClean="0"/>
-              <a:t>Store only is across distances but high spenders are local, further afield store shoppers</a:t>
-            </a:r>
-            <a:r>
-              <a:rPr lang="en-GB" dirty="0"/>
+              <a:t>Store-only customers exist </a:t>
+            </a:r>
+            <a:r>
+              <a:rPr lang="en-GB" dirty="0" smtClean="0"/>
+              <a:t>across distances but high spenders are local, further afield </a:t>
+            </a:r>
+            <a:r>
+              <a:rPr lang="en-GB" dirty="0" smtClean="0"/>
+              <a:t>store-only customers </a:t>
+            </a:r>
+            <a:r>
+              <a:rPr lang="en-GB" dirty="0" smtClean="0"/>
+              <a:t>are likely not </a:t>
+            </a:r>
+            <a:r>
+              <a:rPr lang="en-GB" dirty="0" smtClean="0"/>
+              <a:t>returning. </a:t>
+            </a:r>
+            <a:r>
+              <a:rPr lang="en-GB" dirty="0" smtClean="0"/>
+              <a:t>These could be targeted with </a:t>
+            </a:r>
+            <a:r>
+              <a:rPr lang="en-GB" dirty="0" smtClean="0"/>
+              <a:t>offer for</a:t>
+            </a:r>
+            <a:r>
+              <a:rPr lang="en-GB" dirty="0" smtClean="0"/>
               <a:t> </a:t>
             </a:r>
             <a:r>
               <a:rPr lang="en-GB" dirty="0" smtClean="0"/>
-              <a:t>are likely not returning customers. These could be targeted with leaflet to website.</a:t>
+              <a:t>website.</a:t>
             </a:r>
           </a:p>
         </p:txBody>
@@ -3973,8 +4011,24 @@
           </a:p>
           <a:p>
             <a:r>
+              <a:rPr lang="en-GB" dirty="0" smtClean="0"/>
+              <a:t>Online, customers </a:t>
+            </a:r>
+            <a:r>
               <a:rPr lang="en-GB" dirty="0"/>
-              <a:t>Online people spend a lot less PER TRANSACTION and within a much smaller range</a:t>
+              <a:t>spend a lot less </a:t>
+            </a:r>
+            <a:r>
+              <a:rPr lang="en-GB" b="1" dirty="0" smtClean="0"/>
+              <a:t>per transaction</a:t>
+            </a:r>
+            <a:r>
+              <a:rPr lang="en-GB" dirty="0" smtClean="0"/>
+              <a:t> and </a:t>
+            </a:r>
+            <a:r>
+              <a:rPr lang="en-GB" dirty="0"/>
+              <a:t>within a much smaller range</a:t>
             </a:r>
             <a:r>
               <a:rPr lang="en-GB" dirty="0" smtClean="0"/>
@@ -3993,11 +4047,25 @@
           </a:p>
           <a:p>
             <a:r>
+              <a:rPr lang="en-GB" dirty="0" smtClean="0"/>
+              <a:t>Store-only customers exist across distances </a:t>
+            </a:r>
+            <a:r>
               <a:rPr lang="en-GB" dirty="0"/>
-              <a:t>Store only is across distances but high spenders are local, further afield store shoppers are likely not returning customers.</a:t>
-            </a:r>
-          </a:p>
-          <a:p>
+              <a:t>but high spenders are local, further afield </a:t>
+            </a:r>
+            <a:r>
+              <a:rPr lang="en-GB" dirty="0" smtClean="0"/>
+              <a:t>store-only customers </a:t>
+            </a:r>
+            <a:r>
+              <a:rPr lang="en-GB" dirty="0"/>
+              <a:t>are likely not </a:t>
+            </a:r>
+            <a:r>
+              <a:rPr lang="en-GB" dirty="0" smtClean="0"/>
+              <a:t>returning.</a:t>
+            </a:r>
             <a:endParaRPr lang="en-GB" dirty="0"/>
           </a:p>
           <a:p>
@@ -4332,7 +4400,19 @@
           <a:p>
             <a:r>
               <a:rPr lang="en-GB" dirty="0"/>
-              <a:t>Online people spend a lot less PER TRANSACTION and within a much smaller </a:t>
+              <a:t>Online people spend a lot less </a:t>
+            </a:r>
+            <a:r>
+              <a:rPr lang="en-GB" b="1" dirty="0" smtClean="0"/>
+              <a:t>per transaction</a:t>
+            </a:r>
+            <a:r>
+              <a:rPr lang="en-GB" dirty="0" smtClean="0"/>
+              <a:t> and </a:t>
+            </a:r>
+            <a:r>
+              <a:rPr lang="en-GB" dirty="0"/>
+              <a:t>within a much smaller </a:t>
             </a:r>
             <a:r>
               <a:rPr lang="en-GB" dirty="0" smtClean="0"/>
@@ -4408,11 +4488,11 @@
           <a:p>
             <a:r>
               <a:rPr lang="en-GB" dirty="0"/>
-              <a:t>Store only is across distances but high spenders are local, further afield store shoppers are likely not returning </a:t>
-            </a:r>
-            <a:r>
-              <a:rPr lang="en-GB" dirty="0" smtClean="0"/>
-              <a:t>customers</a:t>
+              <a:t>Store-only customers exist across distances but high spenders are local, further afield store-only customers are likely not </a:t>
+            </a:r>
+            <a:r>
+              <a:rPr lang="en-GB" dirty="0" smtClean="0"/>
+              <a:t>returning</a:t>
             </a:r>
             <a:r>
               <a:rPr lang="en-GB" dirty="0"/>
@@ -4428,8 +4508,21 @@
                   <a:srgbClr val="C00000"/>
                 </a:solidFill>
               </a:rPr>
-              <a:t>As above.</a:t>
-            </a:r>
+              <a:t>As </a:t>
+            </a:r>
+            <a:r>
+              <a:rPr lang="en-GB" dirty="0" smtClean="0">
+                <a:solidFill>
+                  <a:srgbClr val="C00000"/>
+                </a:solidFill>
+              </a:rPr>
+              <a:t>above, these customers could be worth targeting in particular.</a:t>
+            </a:r>
+            <a:endParaRPr lang="en-GB" dirty="0" smtClean="0">
+              <a:solidFill>
+                <a:srgbClr val="C00000"/>
+              </a:solidFill>
+            </a:endParaRPr>
           </a:p>
         </p:txBody>
       </p:sp>
@@ -4546,11 +4639,7 @@
             </a:pPr>
             <a:r>
               <a:rPr lang="en-GB" dirty="0" smtClean="0"/>
-              <a:t>Model the expected increase in revenue resulting from these </a:t>
-            </a:r>
-            <a:r>
-              <a:rPr lang="en-GB" dirty="0" smtClean="0"/>
-              <a:t>recommendations – prioritise the recommendations.</a:t>
+              <a:t>Model the expected increase in revenue resulting from these recommendations – prioritise the recommendations.</a:t>
             </a:r>
           </a:p>
           <a:p>
@@ -4580,9 +4669,32 @@
             </a:pPr>
             <a:r>
               <a:rPr lang="en-GB" dirty="0" smtClean="0"/>
-              <a:t>	More sophisticated estimates with confidence intervals could be produced using MCMC 	simulation, for example.</a:t>
-            </a:r>
-            <a:endParaRPr lang="en-GB" dirty="0" smtClean="0"/>
+              <a:t>	More sophisticated estimates with confidence intervals could be produced using </a:t>
+            </a:r>
+            <a:r>
+              <a:rPr lang="en-GB" dirty="0" err="1" smtClean="0"/>
+              <a:t>monte</a:t>
+            </a:r>
+            <a:r>
+              <a:rPr lang="en-GB" dirty="0" smtClean="0"/>
+              <a:t> 	</a:t>
+            </a:r>
+            <a:r>
+              <a:rPr lang="en-GB" dirty="0" err="1" smtClean="0"/>
+              <a:t>carlo</a:t>
+            </a:r>
+            <a:r>
+              <a:rPr lang="en-GB" dirty="0" smtClean="0"/>
+              <a:t> </a:t>
+            </a:r>
+            <a:r>
+              <a:rPr lang="en-GB" dirty="0" smtClean="0"/>
+              <a:t>simulation</a:t>
+            </a:r>
+            <a:r>
+              <a:rPr lang="en-GB" dirty="0" smtClean="0"/>
+              <a:t>, for example.</a:t>
+            </a:r>
           </a:p>
           <a:p>
             <a:pPr marL="0" indent="0">
@@ -4798,8 +4910,22 @@
             </a:r>
             <a:r>
               <a:rPr lang="en-GB" dirty="0" smtClean="0"/>
-              <a:t>spend.</a:t>
-            </a:r>
+              <a:t>spend</a:t>
+            </a:r>
+            <a:r>
+              <a:rPr lang="en-GB" dirty="0" smtClean="0"/>
+              <a:t>. Multilevel model could look at </a:t>
+            </a:r>
+            <a:r>
+              <a:rPr lang="en-GB" dirty="0" smtClean="0"/>
+              <a:t>effect of </a:t>
+            </a:r>
+            <a:r>
+              <a:rPr lang="en-GB" dirty="0" smtClean="0"/>
+              <a:t>region and store as well.</a:t>
+            </a:r>
+          </a:p>
+          <a:p>
             <a:endParaRPr lang="en-GB" dirty="0"/>
           </a:p>
           <a:p>
@@ -4876,7 +5002,15 @@
           <a:p>
             <a:r>
               <a:rPr lang="en-GB" dirty="0" smtClean="0"/>
-              <a:t>An example of a </a:t>
+              <a:t>Early stages</a:t>
+            </a:r>
+            <a:r>
+              <a:rPr lang="en-GB" dirty="0" smtClean="0"/>
+              <a:t> </a:t>
+            </a:r>
+            <a:r>
+              <a:rPr lang="en-GB" dirty="0" smtClean="0"/>
+              <a:t>example of a </a:t>
             </a:r>
             <a:r>
               <a:rPr lang="en-GB" dirty="0" err="1" smtClean="0"/>
@@ -5068,11 +5202,11 @@
             </a:r>
             <a:r>
               <a:rPr lang="en-GB" b="1" dirty="0" smtClean="0"/>
-              <a:t>per transaction </a:t>
-            </a:r>
-            <a:r>
-              <a:rPr lang="en-GB" dirty="0" smtClean="0"/>
-              <a:t>and </a:t>
+              <a:t>per transaction</a:t>
+            </a:r>
+            <a:r>
+              <a:rPr lang="en-GB" dirty="0" smtClean="0"/>
+              <a:t> and </a:t>
             </a:r>
             <a:r>
               <a:rPr lang="en-GB" dirty="0"/>
@@ -5152,11 +5286,11 @@
           <a:p>
             <a:r>
               <a:rPr lang="en-GB" dirty="0"/>
-              <a:t>Store only is across distances but high spenders are local, further afield store shoppers are likely not returning </a:t>
-            </a:r>
-            <a:r>
-              <a:rPr lang="en-GB" dirty="0" smtClean="0"/>
-              <a:t>customers</a:t>
+              <a:t>Store-only customers exist across distances but high spenders are local, further afield store-only customers are likely not </a:t>
+            </a:r>
+            <a:r>
+              <a:rPr lang="en-GB" dirty="0" smtClean="0"/>
+              <a:t>returning</a:t>
             </a:r>
             <a:r>
               <a:rPr lang="en-GB" dirty="0"/>
@@ -5172,8 +5306,21 @@
                   <a:srgbClr val="C00000"/>
                 </a:solidFill>
               </a:rPr>
-              <a:t>As above.</a:t>
-            </a:r>
+              <a:t>As </a:t>
+            </a:r>
+            <a:r>
+              <a:rPr lang="en-GB" dirty="0" smtClean="0">
+                <a:solidFill>
+                  <a:srgbClr val="C00000"/>
+                </a:solidFill>
+              </a:rPr>
+              <a:t>above, these customers could be worth targeting in particular.</a:t>
+            </a:r>
+            <a:endParaRPr lang="en-GB" dirty="0" smtClean="0">
+              <a:solidFill>
+                <a:srgbClr val="C00000"/>
+              </a:solidFill>
+            </a:endParaRPr>
           </a:p>
         </p:txBody>
       </p:sp>
@@ -5203,7 +5350,7 @@
     </p:spTree>
     <p:extLst>
       <p:ext uri="{BB962C8B-B14F-4D97-AF65-F5344CB8AC3E}">
-        <p14:creationId xmlns:p14="http://schemas.microsoft.com/office/powerpoint/2010/main" val="883227856"/>
+        <p14:creationId xmlns:p14="http://schemas.microsoft.com/office/powerpoint/2010/main" val="2082501251"/>
       </p:ext>
     </p:extLst>
   </p:cSld>
@@ -6457,7 +6604,7 @@
         <p:spPr>
           <a:xfrm>
             <a:off x="1051797" y="1680309"/>
-            <a:ext cx="5100114" cy="369332"/>
+            <a:ext cx="5100114" cy="646331"/>
           </a:xfrm>
           <a:prstGeom prst="rect">
             <a:avLst/>
@@ -6472,7 +6619,17 @@
           <a:p>
             <a:r>
               <a:rPr lang="en-GB" dirty="0" smtClean="0"/>
-              <a:t>In store spending accounts for 20% of total spending</a:t>
+              <a:t>In store spending accounts for 20% of total </a:t>
+            </a:r>
+            <a:r>
+              <a:rPr lang="en-GB" dirty="0" smtClean="0"/>
+              <a:t>spending</a:t>
+            </a:r>
+          </a:p>
+          <a:p>
+            <a:r>
+              <a:rPr lang="en-GB" dirty="0" smtClean="0"/>
+              <a:t>Pricing in store is more variable than online</a:t>
             </a:r>
             <a:endParaRPr lang="en-GB" dirty="0"/>
           </a:p>
@@ -6593,7 +6750,7 @@
           <a:p>
             <a:r>
               <a:rPr lang="en-GB" dirty="0" smtClean="0"/>
-              <a:t>Online </a:t>
+              <a:t>Online, </a:t>
             </a:r>
             <a:r>
               <a:rPr lang="en-GB" dirty="0"/>
@@ -6651,9 +6808,12 @@
             </a:r>
             <a:r>
               <a:rPr lang="en-GB" dirty="0" smtClean="0"/>
-              <a:t>go to checkout?</a:t>
-            </a:r>
-            <a:endParaRPr lang="en-GB" dirty="0"/>
+              <a:t>go to checkout</a:t>
+            </a:r>
+            <a:r>
+              <a:rPr lang="en-GB" dirty="0" smtClean="0"/>
+              <a:t>?</a:t>
+            </a:r>
           </a:p>
         </p:txBody>
       </p:sp>
@@ -6801,7 +6961,7 @@
           <a:p>
             <a:r>
               <a:rPr lang="en-GB" dirty="0" smtClean="0"/>
-              <a:t>People who spend in store only spend </a:t>
+              <a:t>Store-only customers spend </a:t>
             </a:r>
             <a:r>
               <a:rPr lang="en-GB" dirty="0"/>
@@ -6809,7 +6969,15 @@
             </a:r>
             <a:r>
               <a:rPr lang="en-GB" dirty="0" smtClean="0"/>
-              <a:t>less overall across the year.</a:t>
+              <a:t>less </a:t>
+            </a:r>
+            <a:r>
+              <a:rPr lang="en-GB" dirty="0" smtClean="0"/>
+              <a:t>the whole year</a:t>
+            </a:r>
+            <a:r>
+              <a:rPr lang="en-GB" dirty="0" smtClean="0"/>
+              <a:t>.</a:t>
             </a:r>
           </a:p>
           <a:p>
@@ -6826,12 +6994,58 @@
             </a:r>
             <a:r>
               <a:rPr lang="en-GB" dirty="0"/>
-              <a:t>we get them to be returning customers? Offer in bag with purchase? For returning to store or online? Collect email addresses in store? </a:t>
-            </a:r>
-            <a:r>
-              <a:rPr lang="en-GB" dirty="0" smtClean="0"/>
-              <a:t>Competition to improve uptake?</a:t>
-            </a:r>
+              <a:t>we get them to be returning </a:t>
+            </a:r>
+            <a:r>
+              <a:rPr lang="en-GB" dirty="0" smtClean="0"/>
+              <a:t>customers, ideally online? </a:t>
+            </a:r>
+          </a:p>
+          <a:p>
+            <a:r>
+              <a:rPr lang="en-GB" dirty="0" smtClean="0"/>
+              <a:t>Offer </a:t>
+            </a:r>
+            <a:r>
+              <a:rPr lang="en-GB" dirty="0"/>
+              <a:t>with </a:t>
+            </a:r>
+            <a:r>
+              <a:rPr lang="en-GB" dirty="0" smtClean="0"/>
+              <a:t>purchase e.g. for </a:t>
+            </a:r>
+            <a:r>
+              <a:rPr lang="en-GB" dirty="0"/>
+              <a:t>returning to store or online? </a:t>
+            </a:r>
+            <a:endParaRPr lang="en-GB" dirty="0" smtClean="0"/>
+          </a:p>
+          <a:p>
+            <a:r>
+              <a:rPr lang="en-GB" dirty="0" smtClean="0"/>
+              <a:t>Collect </a:t>
+            </a:r>
+            <a:r>
+              <a:rPr lang="en-GB" dirty="0"/>
+              <a:t>email addresses in </a:t>
+            </a:r>
+            <a:r>
+              <a:rPr lang="en-GB" dirty="0" smtClean="0"/>
+              <a:t>store – a competition </a:t>
+            </a:r>
+            <a:r>
+              <a:rPr lang="en-GB" dirty="0" smtClean="0"/>
+              <a:t>to improve </a:t>
+            </a:r>
+            <a:r>
+              <a:rPr lang="en-GB" dirty="0" smtClean="0"/>
+              <a:t>sharing</a:t>
+            </a:r>
+            <a:r>
+              <a:rPr lang="en-GB" dirty="0" smtClean="0"/>
+              <a:t>?</a:t>
+            </a:r>
+            <a:endParaRPr lang="en-GB" dirty="0" smtClean="0"/>
           </a:p>
           <a:p>
             <a:endParaRPr lang="en-GB" dirty="0"/>
@@ -6839,7 +7053,19 @@
           <a:p>
             <a:r>
               <a:rPr lang="en-GB" dirty="0" smtClean="0"/>
-              <a:t>Currently have approximately a quarter of store only customers email addressed.</a:t>
+              <a:t>Currently have approximately a quarter of </a:t>
+            </a:r>
+            <a:r>
+              <a:rPr lang="en-GB" dirty="0" smtClean="0"/>
+              <a:t>store-only </a:t>
+            </a:r>
+            <a:r>
+              <a:rPr lang="en-GB" dirty="0" smtClean="0"/>
+              <a:t>customers email </a:t>
+            </a:r>
+            <a:r>
+              <a:rPr lang="en-GB" dirty="0" smtClean="0"/>
+              <a:t>addresses.</a:t>
             </a:r>
             <a:endParaRPr lang="en-GB" dirty="0"/>
           </a:p>

--- a/Clarks presentation.pptx
+++ b/Clarks presentation.pptx
@@ -3828,19 +3828,7 @@
             </a:r>
             <a:r>
               <a:rPr lang="en-GB" dirty="0" smtClean="0"/>
-              <a:t>ive </a:t>
-            </a:r>
-            <a:r>
-              <a:rPr lang="en-GB" dirty="0" smtClean="0"/>
-              <a:t>further from store tend to shop </a:t>
-            </a:r>
-            <a:r>
-              <a:rPr lang="en-GB" dirty="0" smtClean="0"/>
-              <a:t>online-only</a:t>
-            </a:r>
-            <a:r>
-              <a:rPr lang="en-GB" dirty="0" smtClean="0"/>
-              <a:t>.</a:t>
+              <a:t>ive further from store tend to shop online-only.</a:t>
             </a:r>
           </a:p>
           <a:p>
@@ -3849,39 +3837,7 @@
           <a:p>
             <a:r>
               <a:rPr lang="en-GB" dirty="0" smtClean="0"/>
-              <a:t>Store-only customers exist </a:t>
-            </a:r>
-            <a:r>
-              <a:rPr lang="en-GB" dirty="0" smtClean="0"/>
-              <a:t>across distances but high spenders are local, further afield </a:t>
-            </a:r>
-            <a:r>
-              <a:rPr lang="en-GB" dirty="0" smtClean="0"/>
-              <a:t>store-only customers </a:t>
-            </a:r>
-            <a:r>
-              <a:rPr lang="en-GB" dirty="0" smtClean="0"/>
-              <a:t>are likely not </a:t>
-            </a:r>
-            <a:r>
-              <a:rPr lang="en-GB" dirty="0" smtClean="0"/>
-              <a:t>returning. </a:t>
-            </a:r>
-            <a:r>
-              <a:rPr lang="en-GB" dirty="0" smtClean="0"/>
-              <a:t>These could be targeted with </a:t>
-            </a:r>
-            <a:r>
-              <a:rPr lang="en-GB" dirty="0" smtClean="0"/>
-              <a:t>offer for</a:t>
-            </a:r>
-            <a:r>
-              <a:rPr lang="en-GB" dirty="0" smtClean="0"/>
-              <a:t> </a:t>
-            </a:r>
-            <a:r>
-              <a:rPr lang="en-GB" dirty="0" smtClean="0"/>
-              <a:t>website.</a:t>
+              <a:t>Store-only customers exist across distances but high spenders are local, further afield store-only customers are likely not returning. These could be targeted with offer for website.</a:t>
             </a:r>
           </a:p>
         </p:txBody>
@@ -4037,8 +3993,12 @@
           </a:p>
           <a:p>
             <a:r>
+              <a:rPr lang="en-GB" dirty="0" smtClean="0"/>
+              <a:t>Store-only customers spend </a:t>
+            </a:r>
+            <a:r>
               <a:rPr lang="en-GB" dirty="0"/>
-              <a:t>People who spend in store only spend a lot less overall across the year</a:t>
+              <a:t>a lot less overall across the year</a:t>
             </a:r>
             <a:r>
               <a:rPr lang="en-GB" dirty="0" smtClean="0"/>
@@ -4460,16 +4420,16 @@
           </a:p>
           <a:p>
             <a:r>
-              <a:rPr lang="en-GB" dirty="0" smtClean="0"/>
-              <a:t>People </a:t>
-            </a:r>
-            <a:r>
               <a:rPr lang="en-GB" dirty="0"/>
-              <a:t>who spend in store only spend a lot less overall across the </a:t>
-            </a:r>
-            <a:r>
-              <a:rPr lang="en-GB" dirty="0" smtClean="0"/>
-              <a:t>year – </a:t>
+              <a:t>Store-only customers spend a lot less overall across the year</a:t>
+            </a:r>
+            <a:r>
+              <a:rPr lang="en-GB" dirty="0" smtClean="0"/>
+              <a:t>.</a:t>
+            </a:r>
+            <a:r>
+              <a:rPr lang="en-GB" dirty="0" smtClean="0"/>
+              <a:t>– </a:t>
             </a:r>
             <a:r>
               <a:rPr lang="en-GB" dirty="0" smtClean="0">
@@ -4508,21 +4468,8 @@
                   <a:srgbClr val="C00000"/>
                 </a:solidFill>
               </a:rPr>
-              <a:t>As </a:t>
-            </a:r>
-            <a:r>
-              <a:rPr lang="en-GB" dirty="0" smtClean="0">
-                <a:solidFill>
-                  <a:srgbClr val="C00000"/>
-                </a:solidFill>
-              </a:rPr>
-              <a:t>above, these customers could be worth targeting in particular.</a:t>
-            </a:r>
-            <a:endParaRPr lang="en-GB" dirty="0" smtClean="0">
-              <a:solidFill>
-                <a:srgbClr val="C00000"/>
-              </a:solidFill>
-            </a:endParaRPr>
+              <a:t>As above, these customers could be worth targeting in particular.</a:t>
+            </a:r>
           </a:p>
         </p:txBody>
       </p:sp>
@@ -4652,7 +4599,15 @@
             </a:r>
             <a:r>
               <a:rPr lang="en-GB" dirty="0" smtClean="0"/>
-              <a:t>Simple example: if half of store only customers became store and online customers 	and followed the same spending patterns this would lead to increase in revenue of 	</a:t>
+              <a:t>Simple example: if half of </a:t>
+            </a:r>
+            <a:r>
+              <a:rPr lang="en-GB" dirty="0" smtClean="0"/>
+              <a:t>store-only </a:t>
+            </a:r>
+            <a:r>
+              <a:rPr lang="en-GB" dirty="0" smtClean="0"/>
+              <a:t>customers became store and online customers 	and followed the same spending patterns this would lead to increase in revenue of 	</a:t>
             </a:r>
             <a:r>
               <a:rPr lang="en-GB" dirty="0" smtClean="0">
@@ -4685,15 +4640,7 @@
             </a:r>
             <a:r>
               <a:rPr lang="en-GB" dirty="0" smtClean="0"/>
-              <a:t> </a:t>
-            </a:r>
-            <a:r>
-              <a:rPr lang="en-GB" dirty="0" smtClean="0"/>
-              <a:t>simulation</a:t>
-            </a:r>
-            <a:r>
-              <a:rPr lang="en-GB" dirty="0" smtClean="0"/>
-              <a:t>, for example.</a:t>
+              <a:t> simulation, for example.</a:t>
             </a:r>
           </a:p>
           <a:p>
@@ -4910,19 +4857,7 @@
             </a:r>
             <a:r>
               <a:rPr lang="en-GB" dirty="0" smtClean="0"/>
-              <a:t>spend</a:t>
-            </a:r>
-            <a:r>
-              <a:rPr lang="en-GB" dirty="0" smtClean="0"/>
-              <a:t>. Multilevel model could look at </a:t>
-            </a:r>
-            <a:r>
-              <a:rPr lang="en-GB" dirty="0" smtClean="0"/>
-              <a:t>effect of </a:t>
-            </a:r>
-            <a:r>
-              <a:rPr lang="en-GB" dirty="0" smtClean="0"/>
-              <a:t>region and store as well.</a:t>
+              <a:t>spend. Multilevel model could look at effect of region and store as well.</a:t>
             </a:r>
           </a:p>
           <a:p>
@@ -5002,15 +4937,7 @@
           <a:p>
             <a:r>
               <a:rPr lang="en-GB" dirty="0" smtClean="0"/>
-              <a:t>Early stages</a:t>
-            </a:r>
-            <a:r>
-              <a:rPr lang="en-GB" dirty="0" smtClean="0"/>
-              <a:t> </a:t>
-            </a:r>
-            <a:r>
-              <a:rPr lang="en-GB" dirty="0" smtClean="0"/>
-              <a:t>example of a </a:t>
+              <a:t>Early stages example of a </a:t>
             </a:r>
             <a:r>
               <a:rPr lang="en-GB" dirty="0" err="1" smtClean="0"/>
@@ -5258,16 +5185,20 @@
           </a:p>
           <a:p>
             <a:r>
-              <a:rPr lang="en-GB" dirty="0" smtClean="0"/>
-              <a:t>People </a:t>
-            </a:r>
-            <a:r>
-              <a:rPr lang="en-GB" dirty="0"/>
-              <a:t>who spend in store only spend a lot less overall across the </a:t>
-            </a:r>
-            <a:r>
-              <a:rPr lang="en-GB" dirty="0" smtClean="0"/>
-              <a:t>year – </a:t>
+              <a:rPr lang="en-GB"/>
+              <a:t>Store-only customers spend a lot less overall across </a:t>
+            </a:r>
+            <a:r>
+              <a:rPr lang="en-GB"/>
+              <a:t>the </a:t>
+            </a:r>
+            <a:r>
+              <a:rPr lang="en-GB" smtClean="0"/>
+              <a:t>year </a:t>
+            </a:r>
+            <a:r>
+              <a:rPr lang="en-GB" smtClean="0"/>
+              <a:t>– </a:t>
             </a:r>
             <a:r>
               <a:rPr lang="en-GB" dirty="0" smtClean="0">
@@ -5306,21 +5237,8 @@
                   <a:srgbClr val="C00000"/>
                 </a:solidFill>
               </a:rPr>
-              <a:t>As </a:t>
-            </a:r>
-            <a:r>
-              <a:rPr lang="en-GB" dirty="0" smtClean="0">
-                <a:solidFill>
-                  <a:srgbClr val="C00000"/>
-                </a:solidFill>
-              </a:rPr>
-              <a:t>above, these customers could be worth targeting in particular.</a:t>
-            </a:r>
-            <a:endParaRPr lang="en-GB" dirty="0" smtClean="0">
-              <a:solidFill>
-                <a:srgbClr val="C00000"/>
-              </a:solidFill>
-            </a:endParaRPr>
+              <a:t>As above, these customers could be worth targeting in particular.</a:t>
+            </a:r>
           </a:p>
         </p:txBody>
       </p:sp>
@@ -6619,11 +6537,7 @@
           <a:p>
             <a:r>
               <a:rPr lang="en-GB" dirty="0" smtClean="0"/>
-              <a:t>In store spending accounts for 20% of total </a:t>
-            </a:r>
-            <a:r>
-              <a:rPr lang="en-GB" dirty="0" smtClean="0"/>
-              <a:t>spending</a:t>
+              <a:t>In store spending accounts for 20% of total spending</a:t>
             </a:r>
           </a:p>
           <a:p>
@@ -6808,11 +6722,7 @@
             </a:r>
             <a:r>
               <a:rPr lang="en-GB" dirty="0" smtClean="0"/>
-              <a:t>go to checkout</a:t>
-            </a:r>
-            <a:r>
-              <a:rPr lang="en-GB" dirty="0" smtClean="0"/>
-              <a:t>?</a:t>
+              <a:t>go to checkout?</a:t>
             </a:r>
           </a:p>
         </p:txBody>
@@ -6969,15 +6879,7 @@
             </a:r>
             <a:r>
               <a:rPr lang="en-GB" dirty="0" smtClean="0"/>
-              <a:t>less </a:t>
-            </a:r>
-            <a:r>
-              <a:rPr lang="en-GB" dirty="0" smtClean="0"/>
-              <a:t>the whole year</a:t>
-            </a:r>
-            <a:r>
-              <a:rPr lang="en-GB" dirty="0" smtClean="0"/>
-              <a:t>.</a:t>
+              <a:t>less the whole year.</a:t>
             </a:r>
           </a:p>
           <a:p>
@@ -7031,21 +6933,8 @@
             </a:r>
             <a:r>
               <a:rPr lang="en-GB" dirty="0" smtClean="0"/>
-              <a:t>store – a competition </a:t>
-            </a:r>
-            <a:r>
-              <a:rPr lang="en-GB" dirty="0" smtClean="0"/>
-              <a:t>to improve </a:t>
-            </a:r>
-            <a:r>
-              <a:rPr lang="en-GB" dirty="0" smtClean="0"/>
-              <a:t>sharing</a:t>
-            </a:r>
-            <a:r>
-              <a:rPr lang="en-GB" dirty="0" smtClean="0"/>
-              <a:t>?</a:t>
-            </a:r>
-            <a:endParaRPr lang="en-GB" dirty="0" smtClean="0"/>
+              <a:t>store – a competition to improve sharing?</a:t>
+            </a:r>
           </a:p>
           <a:p>
             <a:endParaRPr lang="en-GB" dirty="0"/>
@@ -7053,19 +6942,7 @@
           <a:p>
             <a:r>
               <a:rPr lang="en-GB" dirty="0" smtClean="0"/>
-              <a:t>Currently have approximately a quarter of </a:t>
-            </a:r>
-            <a:r>
-              <a:rPr lang="en-GB" dirty="0" smtClean="0"/>
-              <a:t>store-only </a:t>
-            </a:r>
-            <a:r>
-              <a:rPr lang="en-GB" dirty="0" smtClean="0"/>
-              <a:t>customers email </a:t>
-            </a:r>
-            <a:r>
-              <a:rPr lang="en-GB" dirty="0" smtClean="0"/>
-              <a:t>addresses.</a:t>
+              <a:t>Currently have approximately a quarter of store-only customers email addresses.</a:t>
             </a:r>
             <a:endParaRPr lang="en-GB" dirty="0"/>
           </a:p>
